--- a/linguappt/en/templates/structure_kg_english_classic.pptx
+++ b/linguappt/en/templates/structure_kg_english_classic.pptx
@@ -208,7 +208,7 @@
           <a:p>
             <a:fld id="{49827307-2D32-1C49-A664-3E09AADAF8D1}" type="datetimeFigureOut">
               <a:rPr lang="en-CN" smtClean="0"/>
-              <a:t>2021/11/12</a:t>
+              <a:t>11/17/21</a:t>
             </a:fld>
             <a:endParaRPr lang="en-CN"/>
           </a:p>
@@ -478,7 +478,7 @@
 
 <file path=ppt/slideLayouts/slideLayout1.xml><?xml version="1.0" encoding="utf-8"?>
 <p:sldLayout xmlns:a="http://schemas.openxmlformats.org/drawingml/2006/main" xmlns:r="http://schemas.openxmlformats.org/officeDocument/2006/relationships" xmlns:p="http://schemas.openxmlformats.org/presentationml/2006/main" preserve="1" userDrawn="1">
-  <p:cSld name="Opening for chinese">
+  <p:cSld name="Opening">
     <p:bg>
       <p:bgPr>
         <a:solidFill>
@@ -501,56 +501,26 @@
           <a:chExt cx="0" cy="0"/>
         </a:xfrm>
       </p:grpSpPr>
-      <p:pic>
-        <p:nvPicPr>
-          <p:cNvPr id="3" name="Picture 2">
+      <p:sp>
+        <p:nvSpPr>
+          <p:cNvPr id="8" name="Text Placeholder 6">
             <a:extLst>
               <a:ext uri="{FF2B5EF4-FFF2-40B4-BE49-F238E27FC236}">
-                <a16:creationId xmlns:a16="http://schemas.microsoft.com/office/drawing/2014/main" id="{1CE27359-F467-9E41-BBFC-9A3D2EE87D90}"/>
-              </a:ext>
-            </a:extLst>
-          </p:cNvPr>
-          <p:cNvPicPr>
-            <a:picLocks noChangeAspect="1"/>
-          </p:cNvPicPr>
-          <p:nvPr userDrawn="1"/>
-        </p:nvPicPr>
-        <p:blipFill>
-          <a:blip r:embed="rId2"/>
-          <a:stretch>
-            <a:fillRect/>
-          </a:stretch>
-        </p:blipFill>
-        <p:spPr>
-          <a:xfrm>
-            <a:off x="0" y="0"/>
-            <a:ext cx="12192000" cy="6854106"/>
-          </a:xfrm>
-          <a:prstGeom prst="rect">
-            <a:avLst/>
-          </a:prstGeom>
-        </p:spPr>
-      </p:pic>
-      <p:sp>
-        <p:nvSpPr>
-          <p:cNvPr id="91" name="Text Placeholder 6">
-            <a:extLst>
-              <a:ext uri="{FF2B5EF4-FFF2-40B4-BE49-F238E27FC236}">
-                <a16:creationId xmlns:a16="http://schemas.microsoft.com/office/drawing/2014/main" id="{24C3FF9E-7065-F74E-BBE4-40BDC1CA7B1F}"/>
+                <a16:creationId xmlns:a16="http://schemas.microsoft.com/office/drawing/2014/main" id="{54816E88-0724-EA41-9172-85280ED0111F}"/>
               </a:ext>
             </a:extLst>
           </p:cNvPr>
           <p:cNvSpPr>
             <a:spLocks noGrp="1"/>
           </p:cNvSpPr>
-          <p:nvPr userDrawn="1">
+          <p:nvPr>
             <p:ph type="body" sz="quarter" idx="10" hasCustomPrompt="1"/>
           </p:nvPr>
         </p:nvSpPr>
         <p:spPr>
           <a:xfrm>
-            <a:off x="774551" y="685760"/>
-            <a:ext cx="7409681" cy="2143125"/>
+            <a:off x="582984" y="561089"/>
+            <a:ext cx="6377112" cy="2143125"/>
           </a:xfrm>
           <a:prstGeom prst="rect">
             <a:avLst/>
@@ -559,15 +529,16 @@
         <p:txBody>
           <a:bodyPr vert="horz" anchor="b"/>
           <a:lstStyle>
-            <a:lvl1pPr marL="0" indent="0" algn="l">
+            <a:lvl1pPr marL="0" indent="0" algn="ctr">
               <a:buNone/>
-              <a:defRPr sz="6400" b="0" i="0">
+              <a:defRPr sz="4800" b="0" i="0" baseline="0">
                 <a:solidFill>
                   <a:schemeClr val="accent3">
-                    <a:lumMod val="75000"/>
+                    <a:lumMod val="60000"/>
+                    <a:lumOff val="40000"/>
                   </a:schemeClr>
                 </a:solidFill>
-                <a:latin typeface="PingFang SC" panose="020B0400000000000000" pitchFamily="34" charset="-122"/>
+                <a:latin typeface="Cambria" panose="02040503050406030204" pitchFamily="18" charset="0"/>
                 <a:ea typeface="PingFang SC" panose="020B0400000000000000" pitchFamily="34" charset="-122"/>
                 <a:cs typeface="Helvetica Neue Medium" panose="02000503000000020004" pitchFamily="2" charset="0"/>
               </a:defRPr>
@@ -645,24 +616,24 @@
       </p:sp>
       <p:sp>
         <p:nvSpPr>
-          <p:cNvPr id="92" name="Text Placeholder 6">
+          <p:cNvPr id="9" name="Text Placeholder 6">
             <a:extLst>
               <a:ext uri="{FF2B5EF4-FFF2-40B4-BE49-F238E27FC236}">
-                <a16:creationId xmlns:a16="http://schemas.microsoft.com/office/drawing/2014/main" id="{F5CDB6B1-91C8-6B40-BBBD-7C6446BC9D7C}"/>
+                <a16:creationId xmlns:a16="http://schemas.microsoft.com/office/drawing/2014/main" id="{9F559B31-5219-7E41-A2AC-DE73A152A588}"/>
               </a:ext>
             </a:extLst>
           </p:cNvPr>
           <p:cNvSpPr>
             <a:spLocks noGrp="1"/>
           </p:cNvSpPr>
-          <p:nvPr userDrawn="1">
+          <p:nvPr>
             <p:ph type="body" sz="quarter" idx="11" hasCustomPrompt="1"/>
           </p:nvPr>
         </p:nvSpPr>
         <p:spPr>
           <a:xfrm>
-            <a:off x="774551" y="3335551"/>
-            <a:ext cx="7409681" cy="1131008"/>
+            <a:off x="582984" y="2778042"/>
+            <a:ext cx="6377112" cy="2143125"/>
           </a:xfrm>
           <a:prstGeom prst="rect">
             <a:avLst/>
@@ -671,15 +642,16 @@
         <p:txBody>
           <a:bodyPr vert="horz" anchor="t"/>
           <a:lstStyle>
-            <a:lvl1pPr marL="0" indent="0" algn="l">
+            <a:lvl1pPr marL="0" indent="0" algn="ctr">
               <a:buNone/>
-              <a:defRPr sz="3600" b="0" i="0" spc="300">
+              <a:defRPr sz="2800" b="1" i="0" spc="0" baseline="0">
                 <a:solidFill>
-                  <a:schemeClr val="accent3">
-                    <a:lumMod val="75000"/>
+                  <a:schemeClr val="tx2">
+                    <a:lumMod val="90000"/>
+                    <a:lumOff val="10000"/>
                   </a:schemeClr>
                 </a:solidFill>
-                <a:latin typeface="PingFang SC" panose="020B0400000000000000" pitchFamily="34" charset="-122"/>
+                <a:latin typeface="Calibri" panose="020F0502020204030204" pitchFamily="34" charset="0"/>
                 <a:ea typeface="PingFang SC" panose="020B0400000000000000" pitchFamily="34" charset="-122"/>
                 <a:cs typeface="Helvetica Neue" panose="02000503000000020004" pitchFamily="2" charset="0"/>
               </a:defRPr>
@@ -755,67 +727,42 @@
           </a:p>
         </p:txBody>
       </p:sp>
-      <p:sp>
-        <p:nvSpPr>
-          <p:cNvPr id="93" name="Rectangle 92">
+      <p:pic>
+        <p:nvPicPr>
+          <p:cNvPr id="10" name="Picture 9">
             <a:extLst>
               <a:ext uri="{FF2B5EF4-FFF2-40B4-BE49-F238E27FC236}">
-                <a16:creationId xmlns:a16="http://schemas.microsoft.com/office/drawing/2014/main" id="{1AD5B537-5D39-554B-A1F8-4FCE13B53844}"/>
+                <a16:creationId xmlns:a16="http://schemas.microsoft.com/office/drawing/2014/main" id="{C4A4A940-7C8E-BF44-BBD1-EB49746DFBD9}"/>
               </a:ext>
             </a:extLst>
           </p:cNvPr>
-          <p:cNvSpPr/>
+          <p:cNvPicPr>
+            <a:picLocks noChangeAspect="1"/>
+          </p:cNvPicPr>
           <p:nvPr userDrawn="1"/>
-        </p:nvSpPr>
+        </p:nvPicPr>
+        <p:blipFill>
+          <a:blip r:embed="rId2"/>
+          <a:stretch>
+            <a:fillRect/>
+          </a:stretch>
+        </p:blipFill>
         <p:spPr>
           <a:xfrm>
-            <a:off x="882157" y="3055651"/>
-            <a:ext cx="1080000" cy="72000"/>
+            <a:off x="3288343" y="5396911"/>
+            <a:ext cx="900000" cy="900000"/>
           </a:xfrm>
           <a:prstGeom prst="rect">
             <a:avLst/>
           </a:prstGeom>
-          <a:solidFill>
-            <a:schemeClr val="accent3">
-              <a:lumMod val="60000"/>
-              <a:lumOff val="40000"/>
-            </a:schemeClr>
-          </a:solidFill>
-          <a:ln>
-            <a:noFill/>
-          </a:ln>
         </p:spPr>
-        <p:style>
-          <a:lnRef idx="2">
-            <a:schemeClr val="accent1">
-              <a:shade val="50000"/>
-            </a:schemeClr>
-          </a:lnRef>
-          <a:fillRef idx="1">
-            <a:schemeClr val="accent1"/>
-          </a:fillRef>
-          <a:effectRef idx="0">
-            <a:schemeClr val="accent1"/>
-          </a:effectRef>
-          <a:fontRef idx="minor">
-            <a:schemeClr val="lt1"/>
-          </a:fontRef>
-        </p:style>
-        <p:txBody>
-          <a:bodyPr rtlCol="0" anchor="ctr"/>
-          <a:lstStyle/>
-          <a:p>
-            <a:pPr algn="ctr"/>
-            <a:endParaRPr lang="en-CN"/>
-          </a:p>
-        </p:txBody>
-      </p:sp>
+      </p:pic>
       <p:pic>
         <p:nvPicPr>
-          <p:cNvPr id="29" name="Picture 28">
+          <p:cNvPr id="11" name="Picture 10">
             <a:extLst>
               <a:ext uri="{FF2B5EF4-FFF2-40B4-BE49-F238E27FC236}">
-                <a16:creationId xmlns:a16="http://schemas.microsoft.com/office/drawing/2014/main" id="{CC619579-9367-324E-AF98-EEE7E28A99B9}"/>
+                <a16:creationId xmlns:a16="http://schemas.microsoft.com/office/drawing/2014/main" id="{D8B3BB46-54DB-0740-93BC-03F72C824A43}"/>
               </a:ext>
             </a:extLst>
           </p:cNvPr>
@@ -832,445 +779,8 @@
         </p:blipFill>
         <p:spPr>
           <a:xfrm>
-            <a:off x="9336360" y="1831761"/>
-            <a:ext cx="1238024" cy="1238024"/>
-          </a:xfrm>
-          <a:prstGeom prst="rect">
-            <a:avLst/>
-          </a:prstGeom>
-        </p:spPr>
-      </p:pic>
-      <p:pic>
-        <p:nvPicPr>
-          <p:cNvPr id="30" name="Picture 29">
-            <a:extLst>
-              <a:ext uri="{FF2B5EF4-FFF2-40B4-BE49-F238E27FC236}">
-                <a16:creationId xmlns:a16="http://schemas.microsoft.com/office/drawing/2014/main" id="{31807514-6996-DF4B-8E3D-F265E41947DB}"/>
-              </a:ext>
-            </a:extLst>
-          </p:cNvPr>
-          <p:cNvPicPr>
-            <a:picLocks noChangeAspect="1"/>
-          </p:cNvPicPr>
-          <p:nvPr userDrawn="1"/>
-        </p:nvPicPr>
-        <p:blipFill>
-          <a:blip r:embed="rId4"/>
-          <a:stretch>
-            <a:fillRect/>
-          </a:stretch>
-        </p:blipFill>
-        <p:spPr>
-          <a:xfrm>
-            <a:off x="774551" y="5611950"/>
-            <a:ext cx="900000" cy="900000"/>
-          </a:xfrm>
-          <a:prstGeom prst="rect">
-            <a:avLst/>
-          </a:prstGeom>
-        </p:spPr>
-      </p:pic>
-    </p:spTree>
-    <p:extLst>
-      <p:ext uri="{BB962C8B-B14F-4D97-AF65-F5344CB8AC3E}">
-        <p14:creationId xmlns:p14="http://schemas.microsoft.com/office/powerpoint/2010/main" val="205283214"/>
-      </p:ext>
-    </p:extLst>
-  </p:cSld>
-  <p:clrMapOvr>
-    <a:masterClrMapping/>
-  </p:clrMapOvr>
-</p:sldLayout>
-</file>
-
-<file path=ppt/slideLayouts/slideLayout2.xml><?xml version="1.0" encoding="utf-8"?>
-<p:sldLayout xmlns:a="http://schemas.openxmlformats.org/drawingml/2006/main" xmlns:r="http://schemas.openxmlformats.org/officeDocument/2006/relationships" xmlns:p="http://schemas.openxmlformats.org/presentationml/2006/main" preserve="1" userDrawn="1">
-  <p:cSld name="Opening for english">
-    <p:bg>
-      <p:bgPr>
-        <a:solidFill>
-          <a:schemeClr val="bg1"/>
-        </a:solidFill>
-        <a:effectLst/>
-      </p:bgPr>
-    </p:bg>
-    <p:spTree>
-      <p:nvGrpSpPr>
-        <p:cNvPr id="1" name=""/>
-        <p:cNvGrpSpPr/>
-        <p:nvPr/>
-      </p:nvGrpSpPr>
-      <p:grpSpPr>
-        <a:xfrm>
-          <a:off x="0" y="0"/>
-          <a:ext cx="0" cy="0"/>
-          <a:chOff x="0" y="0"/>
-          <a:chExt cx="0" cy="0"/>
-        </a:xfrm>
-      </p:grpSpPr>
-      <p:pic>
-        <p:nvPicPr>
-          <p:cNvPr id="3" name="Picture 2">
-            <a:extLst>
-              <a:ext uri="{FF2B5EF4-FFF2-40B4-BE49-F238E27FC236}">
-                <a16:creationId xmlns:a16="http://schemas.microsoft.com/office/drawing/2014/main" id="{1CE27359-F467-9E41-BBFC-9A3D2EE87D90}"/>
-              </a:ext>
-            </a:extLst>
-          </p:cNvPr>
-          <p:cNvPicPr>
-            <a:picLocks noChangeAspect="1"/>
-          </p:cNvPicPr>
-          <p:nvPr userDrawn="1"/>
-        </p:nvPicPr>
-        <p:blipFill>
-          <a:blip r:embed="rId2"/>
-          <a:stretch>
-            <a:fillRect/>
-          </a:stretch>
-        </p:blipFill>
-        <p:spPr>
-          <a:xfrm>
-            <a:off x="0" y="0"/>
-            <a:ext cx="12192000" cy="6854106"/>
-          </a:xfrm>
-          <a:prstGeom prst="rect">
-            <a:avLst/>
-          </a:prstGeom>
-        </p:spPr>
-      </p:pic>
-      <p:sp>
-        <p:nvSpPr>
-          <p:cNvPr id="91" name="Text Placeholder 6">
-            <a:extLst>
-              <a:ext uri="{FF2B5EF4-FFF2-40B4-BE49-F238E27FC236}">
-                <a16:creationId xmlns:a16="http://schemas.microsoft.com/office/drawing/2014/main" id="{24C3FF9E-7065-F74E-BBE4-40BDC1CA7B1F}"/>
-              </a:ext>
-            </a:extLst>
-          </p:cNvPr>
-          <p:cNvSpPr>
-            <a:spLocks noGrp="1"/>
-          </p:cNvSpPr>
-          <p:nvPr userDrawn="1">
-            <p:ph type="body" sz="quarter" idx="10" hasCustomPrompt="1"/>
-          </p:nvPr>
-        </p:nvSpPr>
-        <p:spPr>
-          <a:xfrm>
-            <a:off x="774551" y="685760"/>
-            <a:ext cx="7409681" cy="2143125"/>
-          </a:xfrm>
-          <a:prstGeom prst="rect">
-            <a:avLst/>
-          </a:prstGeom>
-        </p:spPr>
-        <p:txBody>
-          <a:bodyPr vert="horz" anchor="b"/>
-          <a:lstStyle>
-            <a:lvl1pPr marL="0" indent="0" algn="l">
-              <a:buNone/>
-              <a:defRPr sz="4000" b="0" i="0">
-                <a:solidFill>
-                  <a:schemeClr val="accent3">
-                    <a:lumMod val="75000"/>
-                  </a:schemeClr>
-                </a:solidFill>
-                <a:latin typeface="Roboto Medium" pitchFamily="2" charset="0"/>
-                <a:ea typeface="Roboto Medium" pitchFamily="2" charset="0"/>
-                <a:cs typeface="Helvetica Neue Medium" panose="02000503000000020004" pitchFamily="2" charset="0"/>
-              </a:defRPr>
-            </a:lvl1pPr>
-            <a:lvl2pPr>
-              <a:defRPr>
-                <a:solidFill>
-                  <a:schemeClr val="tx1">
-                    <a:lumMod val="95000"/>
-                    <a:lumOff val="5000"/>
-                  </a:schemeClr>
-                </a:solidFill>
-                <a:latin typeface="Helvetica Neue" panose="02000503000000020004" pitchFamily="2" charset="0"/>
-                <a:ea typeface="Helvetica Neue" panose="02000503000000020004" pitchFamily="2" charset="0"/>
-                <a:cs typeface="Helvetica Neue" panose="02000503000000020004" pitchFamily="2" charset="0"/>
-              </a:defRPr>
-            </a:lvl2pPr>
-            <a:lvl3pPr>
-              <a:defRPr>
-                <a:solidFill>
-                  <a:schemeClr val="tx1">
-                    <a:lumMod val="95000"/>
-                    <a:lumOff val="5000"/>
-                  </a:schemeClr>
-                </a:solidFill>
-                <a:latin typeface="Helvetica Neue" panose="02000503000000020004" pitchFamily="2" charset="0"/>
-                <a:ea typeface="Helvetica Neue" panose="02000503000000020004" pitchFamily="2" charset="0"/>
-                <a:cs typeface="Helvetica Neue" panose="02000503000000020004" pitchFamily="2" charset="0"/>
-              </a:defRPr>
-            </a:lvl3pPr>
-            <a:lvl4pPr>
-              <a:defRPr>
-                <a:solidFill>
-                  <a:schemeClr val="tx1">
-                    <a:lumMod val="95000"/>
-                    <a:lumOff val="5000"/>
-                  </a:schemeClr>
-                </a:solidFill>
-                <a:latin typeface="Helvetica Neue" panose="02000503000000020004" pitchFamily="2" charset="0"/>
-                <a:ea typeface="Helvetica Neue" panose="02000503000000020004" pitchFamily="2" charset="0"/>
-                <a:cs typeface="Helvetica Neue" panose="02000503000000020004" pitchFamily="2" charset="0"/>
-              </a:defRPr>
-            </a:lvl4pPr>
-            <a:lvl5pPr>
-              <a:defRPr>
-                <a:solidFill>
-                  <a:schemeClr val="tx1">
-                    <a:lumMod val="95000"/>
-                    <a:lumOff val="5000"/>
-                  </a:schemeClr>
-                </a:solidFill>
-                <a:latin typeface="Helvetica Neue" panose="02000503000000020004" pitchFamily="2" charset="0"/>
-                <a:ea typeface="Helvetica Neue" panose="02000503000000020004" pitchFamily="2" charset="0"/>
-                <a:cs typeface="Helvetica Neue" panose="02000503000000020004" pitchFamily="2" charset="0"/>
-              </a:defRPr>
-            </a:lvl5pPr>
-          </a:lstStyle>
-          <a:p>
-            <a:pPr lvl="0"/>
-            <a:r>
-              <a:rPr lang="en-US" dirty="0"/>
-              <a:t>Presentation</a:t>
-            </a:r>
-            <a:r>
-              <a:rPr lang="zh-CN" altLang="en-US" dirty="0"/>
-              <a:t> </a:t>
-            </a:r>
-            <a:r>
-              <a:rPr lang="en-US" altLang="zh-CN" dirty="0"/>
-              <a:t>Title</a:t>
-            </a:r>
-            <a:endParaRPr lang="en-US" dirty="0"/>
-          </a:p>
-        </p:txBody>
-      </p:sp>
-      <p:sp>
-        <p:nvSpPr>
-          <p:cNvPr id="92" name="Text Placeholder 6">
-            <a:extLst>
-              <a:ext uri="{FF2B5EF4-FFF2-40B4-BE49-F238E27FC236}">
-                <a16:creationId xmlns:a16="http://schemas.microsoft.com/office/drawing/2014/main" id="{F5CDB6B1-91C8-6B40-BBBD-7C6446BC9D7C}"/>
-              </a:ext>
-            </a:extLst>
-          </p:cNvPr>
-          <p:cNvSpPr>
-            <a:spLocks noGrp="1"/>
-          </p:cNvSpPr>
-          <p:nvPr userDrawn="1">
-            <p:ph type="body" sz="quarter" idx="11" hasCustomPrompt="1"/>
-          </p:nvPr>
-        </p:nvSpPr>
-        <p:spPr>
-          <a:xfrm>
-            <a:off x="774551" y="3335551"/>
-            <a:ext cx="7409681" cy="1131008"/>
-          </a:xfrm>
-          <a:prstGeom prst="rect">
-            <a:avLst/>
-          </a:prstGeom>
-        </p:spPr>
-        <p:txBody>
-          <a:bodyPr vert="horz" anchor="t"/>
-          <a:lstStyle>
-            <a:lvl1pPr marL="0" indent="0" algn="l">
-              <a:buNone/>
-              <a:defRPr sz="2400" b="0" i="0" spc="0">
-                <a:solidFill>
-                  <a:schemeClr val="accent3">
-                    <a:lumMod val="75000"/>
-                  </a:schemeClr>
-                </a:solidFill>
-                <a:latin typeface="Roboto Medium" pitchFamily="2" charset="0"/>
-                <a:ea typeface="Roboto Medium" pitchFamily="2" charset="0"/>
-                <a:cs typeface="Helvetica Neue" panose="02000503000000020004" pitchFamily="2" charset="0"/>
-              </a:defRPr>
-            </a:lvl1pPr>
-            <a:lvl2pPr>
-              <a:defRPr>
-                <a:solidFill>
-                  <a:schemeClr val="tx1">
-                    <a:lumMod val="95000"/>
-                    <a:lumOff val="5000"/>
-                  </a:schemeClr>
-                </a:solidFill>
-                <a:latin typeface="Helvetica Neue" panose="02000503000000020004" pitchFamily="2" charset="0"/>
-                <a:ea typeface="Helvetica Neue" panose="02000503000000020004" pitchFamily="2" charset="0"/>
-                <a:cs typeface="Helvetica Neue" panose="02000503000000020004" pitchFamily="2" charset="0"/>
-              </a:defRPr>
-            </a:lvl2pPr>
-            <a:lvl3pPr>
-              <a:defRPr>
-                <a:solidFill>
-                  <a:schemeClr val="tx1">
-                    <a:lumMod val="95000"/>
-                    <a:lumOff val="5000"/>
-                  </a:schemeClr>
-                </a:solidFill>
-                <a:latin typeface="Helvetica Neue" panose="02000503000000020004" pitchFamily="2" charset="0"/>
-                <a:ea typeface="Helvetica Neue" panose="02000503000000020004" pitchFamily="2" charset="0"/>
-                <a:cs typeface="Helvetica Neue" panose="02000503000000020004" pitchFamily="2" charset="0"/>
-              </a:defRPr>
-            </a:lvl3pPr>
-            <a:lvl4pPr>
-              <a:defRPr>
-                <a:solidFill>
-                  <a:schemeClr val="tx1">
-                    <a:lumMod val="95000"/>
-                    <a:lumOff val="5000"/>
-                  </a:schemeClr>
-                </a:solidFill>
-                <a:latin typeface="Helvetica Neue" panose="02000503000000020004" pitchFamily="2" charset="0"/>
-                <a:ea typeface="Helvetica Neue" panose="02000503000000020004" pitchFamily="2" charset="0"/>
-                <a:cs typeface="Helvetica Neue" panose="02000503000000020004" pitchFamily="2" charset="0"/>
-              </a:defRPr>
-            </a:lvl4pPr>
-            <a:lvl5pPr>
-              <a:defRPr>
-                <a:solidFill>
-                  <a:schemeClr val="tx1">
-                    <a:lumMod val="95000"/>
-                    <a:lumOff val="5000"/>
-                  </a:schemeClr>
-                </a:solidFill>
-                <a:latin typeface="Helvetica Neue" panose="02000503000000020004" pitchFamily="2" charset="0"/>
-                <a:ea typeface="Helvetica Neue" panose="02000503000000020004" pitchFamily="2" charset="0"/>
-                <a:cs typeface="Helvetica Neue" panose="02000503000000020004" pitchFamily="2" charset="0"/>
-              </a:defRPr>
-            </a:lvl5pPr>
-          </a:lstStyle>
-          <a:p>
-            <a:pPr lvl="0"/>
-            <a:r>
-              <a:rPr lang="en-US" dirty="0"/>
-              <a:t>Presentation</a:t>
-            </a:r>
-            <a:r>
-              <a:rPr lang="zh-CN" altLang="en-US" dirty="0"/>
-              <a:t> </a:t>
-            </a:r>
-            <a:r>
-              <a:rPr lang="en-US" altLang="zh-CN" dirty="0"/>
-              <a:t>Subtitle</a:t>
-            </a:r>
-            <a:endParaRPr lang="en-US" dirty="0"/>
-          </a:p>
-        </p:txBody>
-      </p:sp>
-      <p:sp>
-        <p:nvSpPr>
-          <p:cNvPr id="93" name="Rectangle 92">
-            <a:extLst>
-              <a:ext uri="{FF2B5EF4-FFF2-40B4-BE49-F238E27FC236}">
-                <a16:creationId xmlns:a16="http://schemas.microsoft.com/office/drawing/2014/main" id="{1AD5B537-5D39-554B-A1F8-4FCE13B53844}"/>
-              </a:ext>
-            </a:extLst>
-          </p:cNvPr>
-          <p:cNvSpPr/>
-          <p:nvPr userDrawn="1"/>
-        </p:nvSpPr>
-        <p:spPr>
-          <a:xfrm>
-            <a:off x="882157" y="3055651"/>
-            <a:ext cx="1080000" cy="72000"/>
-          </a:xfrm>
-          <a:prstGeom prst="rect">
-            <a:avLst/>
-          </a:prstGeom>
-          <a:solidFill>
-            <a:schemeClr val="accent3">
-              <a:lumMod val="60000"/>
-              <a:lumOff val="40000"/>
-            </a:schemeClr>
-          </a:solidFill>
-          <a:ln>
-            <a:noFill/>
-          </a:ln>
-        </p:spPr>
-        <p:style>
-          <a:lnRef idx="2">
-            <a:schemeClr val="accent1">
-              <a:shade val="50000"/>
-            </a:schemeClr>
-          </a:lnRef>
-          <a:fillRef idx="1">
-            <a:schemeClr val="accent1"/>
-          </a:fillRef>
-          <a:effectRef idx="0">
-            <a:schemeClr val="accent1"/>
-          </a:effectRef>
-          <a:fontRef idx="minor">
-            <a:schemeClr val="lt1"/>
-          </a:fontRef>
-        </p:style>
-        <p:txBody>
-          <a:bodyPr rtlCol="0" anchor="ctr"/>
-          <a:lstStyle/>
-          <a:p>
-            <a:pPr algn="ctr"/>
-            <a:endParaRPr lang="en-CN"/>
-          </a:p>
-        </p:txBody>
-      </p:sp>
-      <p:pic>
-        <p:nvPicPr>
-          <p:cNvPr id="29" name="Picture 28">
-            <a:extLst>
-              <a:ext uri="{FF2B5EF4-FFF2-40B4-BE49-F238E27FC236}">
-                <a16:creationId xmlns:a16="http://schemas.microsoft.com/office/drawing/2014/main" id="{CC619579-9367-324E-AF98-EEE7E28A99B9}"/>
-              </a:ext>
-            </a:extLst>
-          </p:cNvPr>
-          <p:cNvPicPr>
-            <a:picLocks noChangeAspect="1"/>
-          </p:cNvPicPr>
-          <p:nvPr userDrawn="1"/>
-        </p:nvPicPr>
-        <p:blipFill>
-          <a:blip r:embed="rId3"/>
-          <a:stretch>
-            <a:fillRect/>
-          </a:stretch>
-        </p:blipFill>
-        <p:spPr>
-          <a:xfrm>
-            <a:off x="9336360" y="1831761"/>
-            <a:ext cx="1238024" cy="1238024"/>
-          </a:xfrm>
-          <a:prstGeom prst="rect">
-            <a:avLst/>
-          </a:prstGeom>
-        </p:spPr>
-      </p:pic>
-      <p:pic>
-        <p:nvPicPr>
-          <p:cNvPr id="30" name="Picture 29">
-            <a:extLst>
-              <a:ext uri="{FF2B5EF4-FFF2-40B4-BE49-F238E27FC236}">
-                <a16:creationId xmlns:a16="http://schemas.microsoft.com/office/drawing/2014/main" id="{31807514-6996-DF4B-8E3D-F265E41947DB}"/>
-              </a:ext>
-            </a:extLst>
-          </p:cNvPr>
-          <p:cNvPicPr>
-            <a:picLocks noChangeAspect="1"/>
-          </p:cNvPicPr>
-          <p:nvPr userDrawn="1"/>
-        </p:nvPicPr>
-        <p:blipFill>
-          <a:blip r:embed="rId4"/>
-          <a:stretch>
-            <a:fillRect/>
-          </a:stretch>
-        </p:blipFill>
-        <p:spPr>
-          <a:xfrm>
-            <a:off x="774551" y="5611950"/>
-            <a:ext cx="900000" cy="900000"/>
+            <a:off x="7464152" y="561089"/>
+            <a:ext cx="4144864" cy="5735822"/>
           </a:xfrm>
           <a:prstGeom prst="rect">
             <a:avLst/>
@@ -1290,7 +800,7 @@
 </p:sldLayout>
 </file>
 
-<file path=ppt/slideLayouts/slideLayout3.xml><?xml version="1.0" encoding="utf-8"?>
+<file path=ppt/slideLayouts/slideLayout2.xml><?xml version="1.0" encoding="utf-8"?>
 <p:sldLayout xmlns:a="http://schemas.openxmlformats.org/drawingml/2006/main" xmlns:r="http://schemas.openxmlformats.org/officeDocument/2006/relationships" xmlns:p="http://schemas.openxmlformats.org/presentationml/2006/main" preserve="1" userDrawn="1">
   <p:cSld name="Structure">
     <p:bg>
@@ -1317,10 +827,10 @@
       </p:grpSpPr>
       <p:pic>
         <p:nvPicPr>
-          <p:cNvPr id="3" name="Picture 2">
+          <p:cNvPr id="11" name="Picture 10">
             <a:extLst>
               <a:ext uri="{FF2B5EF4-FFF2-40B4-BE49-F238E27FC236}">
-                <a16:creationId xmlns:a16="http://schemas.microsoft.com/office/drawing/2014/main" id="{6B11D472-279B-5B42-AD8F-D6EF9792DBAF}"/>
+                <a16:creationId xmlns:a16="http://schemas.microsoft.com/office/drawing/2014/main" id="{2F2499C2-BF62-1243-A163-E434940B40A5}"/>
               </a:ext>
             </a:extLst>
           </p:cNvPr>
@@ -1337,8 +847,8 @@
         </p:blipFill>
         <p:spPr>
           <a:xfrm>
-            <a:off x="1" y="-1"/>
-            <a:ext cx="12221224" cy="6870535"/>
+            <a:off x="1" y="-988"/>
+            <a:ext cx="12200684" cy="6858988"/>
           </a:xfrm>
           <a:prstGeom prst="rect">
             <a:avLst/>
@@ -1433,14 +943,14 @@
           <a:lstStyle>
             <a:lvl1pPr marL="0" indent="0">
               <a:buNone/>
-              <a:defRPr lang="en-US" sz="1800" b="0" i="0" kern="1200" dirty="0">
+              <a:defRPr lang="en-US" sz="1800" b="1" i="0" kern="1200" baseline="0" dirty="0">
                 <a:solidFill>
                   <a:schemeClr val="accent3">
                     <a:lumMod val="75000"/>
                   </a:schemeClr>
                 </a:solidFill>
-                <a:latin typeface="Roboto Medium" pitchFamily="2" charset="0"/>
-                <a:ea typeface="Roboto Medium" pitchFamily="2" charset="0"/>
+                <a:latin typeface="Calibri" panose="020F0502020204030204" pitchFamily="34" charset="0"/>
+                <a:ea typeface="PingFang SC" panose="020B0400000000000000" pitchFamily="34" charset="-122"/>
                 <a:cs typeface="+mn-cs"/>
               </a:defRPr>
             </a:lvl1pPr>
@@ -1519,14 +1029,14 @@
           <a:lstStyle>
             <a:lvl1pPr marL="0" indent="0" algn="l">
               <a:buNone/>
-              <a:defRPr sz="1600" b="0" i="0">
+              <a:defRPr sz="1600" b="0" i="0" baseline="0">
                 <a:solidFill>
                   <a:schemeClr val="accent3">
                     <a:lumMod val="75000"/>
                   </a:schemeClr>
                 </a:solidFill>
-                <a:latin typeface="PingFang SC Light" panose="020B0300000000000000" pitchFamily="34" charset="-122"/>
-                <a:ea typeface="PingFang SC Light" panose="020B0300000000000000" pitchFamily="34" charset="-122"/>
+                <a:latin typeface="Calibri" panose="020F0502020204030204" pitchFamily="34" charset="0"/>
+                <a:ea typeface="PingFang SC" panose="020B0400000000000000" pitchFamily="34" charset="-122"/>
               </a:defRPr>
             </a:lvl1pPr>
           </a:lstStyle>
@@ -1554,8 +1064,8 @@
         </p:nvSpPr>
         <p:spPr>
           <a:xfrm>
-            <a:off x="839415" y="2145394"/>
-            <a:ext cx="10584605" cy="369332"/>
+            <a:off x="749273" y="2145394"/>
+            <a:ext cx="10674748" cy="369332"/>
           </a:xfrm>
           <a:prstGeom prst="roundRect">
             <a:avLst>
@@ -1588,39 +1098,39 @@
           <a:lstStyle/>
           <a:p>
             <a:r>
-              <a:rPr lang="en-US" altLang="zh-CN" sz="1200" b="1" dirty="0">
+              <a:rPr lang="en-US" altLang="zh-CN" sz="1600" b="1" dirty="0">
                 <a:solidFill>
                   <a:schemeClr val="tx2">
-                    <a:lumMod val="50000"/>
-                    <a:lumOff val="50000"/>
+                    <a:lumMod val="25000"/>
+                    <a:lumOff val="75000"/>
                   </a:schemeClr>
                 </a:solidFill>
-                <a:latin typeface="PingFang SC" panose="020B0400000000000000" pitchFamily="34" charset="-122"/>
+                <a:latin typeface="+mj-lt"/>
                 <a:ea typeface="PingFang SC" panose="020B0400000000000000" pitchFamily="34" charset="-122"/>
               </a:rPr>
               <a:t>//</a:t>
             </a:r>
             <a:r>
-              <a:rPr lang="zh-CN" altLang="en-US" sz="1200" b="1" dirty="0">
+              <a:rPr lang="zh-CN" altLang="en-US" sz="1600" b="1" dirty="0">
                 <a:solidFill>
                   <a:schemeClr val="tx2">
-                    <a:lumMod val="50000"/>
-                    <a:lumOff val="50000"/>
+                    <a:lumMod val="25000"/>
+                    <a:lumOff val="75000"/>
                   </a:schemeClr>
                 </a:solidFill>
-                <a:latin typeface="PingFang SC" panose="020B0400000000000000" pitchFamily="34" charset="-122"/>
+                <a:latin typeface="+mj-lt"/>
                 <a:ea typeface="PingFang SC" panose="020B0400000000000000" pitchFamily="34" charset="-122"/>
               </a:rPr>
               <a:t> 句型结构</a:t>
             </a:r>
-            <a:endParaRPr lang="en-JP" sz="1200" b="1" dirty="0">
+            <a:endParaRPr lang="en-JP" sz="1600" b="1" dirty="0">
               <a:solidFill>
                 <a:schemeClr val="tx2">
-                  <a:lumMod val="50000"/>
-                  <a:lumOff val="50000"/>
+                  <a:lumMod val="25000"/>
+                  <a:lumOff val="75000"/>
                 </a:schemeClr>
               </a:solidFill>
-              <a:latin typeface="PingFang SC" panose="020B0400000000000000" pitchFamily="34" charset="-122"/>
+              <a:latin typeface="+mj-lt"/>
               <a:ea typeface="PingFang SC" panose="020B0400000000000000" pitchFamily="34" charset="-122"/>
             </a:endParaRPr>
           </a:p>
@@ -1650,8 +1160,9 @@
           </a:prstGeom>
           <a:ln w="12700">
             <a:solidFill>
-              <a:schemeClr val="bg1">
-                <a:lumMod val="85000"/>
+              <a:schemeClr val="tx2">
+                <a:lumMod val="10000"/>
+                <a:lumOff val="90000"/>
               </a:schemeClr>
             </a:solidFill>
           </a:ln>
@@ -1701,7 +1212,7 @@
           <a:lstStyle>
             <a:lvl1pPr marL="0" indent="0" algn="l">
               <a:buNone/>
-              <a:defRPr b="1" i="0">
+              <a:defRPr b="1" i="0" baseline="0">
                 <a:solidFill>
                   <a:schemeClr val="accent4">
                     <a:lumMod val="60000"/>
@@ -1709,7 +1220,7 @@
                   </a:schemeClr>
                 </a:solidFill>
                 <a:latin typeface="Calibri" panose="020F0502020204030204" pitchFamily="34" charset="0"/>
-                <a:ea typeface="Roboto Medium" pitchFamily="2" charset="0"/>
+                <a:ea typeface="PingFang SC" panose="020B0400000000000000" pitchFamily="34" charset="-122"/>
                 <a:cs typeface="Calibri" panose="020F0502020204030204" pitchFamily="34" charset="0"/>
               </a:defRPr>
             </a:lvl1pPr>
@@ -1743,7 +1254,7 @@
         <p:spPr>
           <a:xfrm>
             <a:off x="839416" y="3457988"/>
-            <a:ext cx="10584605" cy="2598120"/>
+            <a:ext cx="10584605" cy="2851332"/>
           </a:xfrm>
           <a:prstGeom prst="rect">
             <a:avLst/>
@@ -1760,14 +1271,14 @@
               </a:buClr>
               <a:buFont typeface="Arial" panose="020B0604020202020204" pitchFamily="34" charset="0"/>
               <a:buChar char="•"/>
-              <a:defRPr sz="1400" b="0" i="0">
+              <a:defRPr sz="1600" b="0" i="0" baseline="0">
                 <a:solidFill>
                   <a:schemeClr val="accent3">
                     <a:lumMod val="75000"/>
                   </a:schemeClr>
                 </a:solidFill>
                 <a:latin typeface="Calibri" panose="020F0502020204030204" pitchFamily="34" charset="0"/>
-                <a:ea typeface="PingFang SC Light" panose="020B0300000000000000" pitchFamily="34" charset="-122"/>
+                <a:ea typeface="PingFang SC" panose="020B0400000000000000" pitchFamily="34" charset="-122"/>
                 <a:cs typeface="Calibri" panose="020F0502020204030204" pitchFamily="34" charset="0"/>
               </a:defRPr>
             </a:lvl1pPr>
@@ -1811,7 +1322,7 @@
 </p:sldLayout>
 </file>
 
-<file path=ppt/slideLayouts/slideLayout4.xml><?xml version="1.0" encoding="utf-8"?>
+<file path=ppt/slideLayouts/slideLayout3.xml><?xml version="1.0" encoding="utf-8"?>
 <p:sldLayout xmlns:a="http://schemas.openxmlformats.org/drawingml/2006/main" xmlns:r="http://schemas.openxmlformats.org/officeDocument/2006/relationships" xmlns:p="http://schemas.openxmlformats.org/presentationml/2006/main" preserve="1" userDrawn="1">
   <p:cSld name="Detail">
     <p:bg>
@@ -1838,10 +1349,10 @@
       </p:grpSpPr>
       <p:pic>
         <p:nvPicPr>
-          <p:cNvPr id="3" name="Picture 2">
+          <p:cNvPr id="9" name="Picture 8">
             <a:extLst>
               <a:ext uri="{FF2B5EF4-FFF2-40B4-BE49-F238E27FC236}">
-                <a16:creationId xmlns:a16="http://schemas.microsoft.com/office/drawing/2014/main" id="{6B11D472-279B-5B42-AD8F-D6EF9792DBAF}"/>
+                <a16:creationId xmlns:a16="http://schemas.microsoft.com/office/drawing/2014/main" id="{0E754109-1C91-834D-8D45-DEFA01D0CC9F}"/>
               </a:ext>
             </a:extLst>
           </p:cNvPr>
@@ -1858,8 +1369,8 @@
         </p:blipFill>
         <p:spPr>
           <a:xfrm>
-            <a:off x="1" y="-1"/>
-            <a:ext cx="12221224" cy="6870535"/>
+            <a:off x="1" y="-988"/>
+            <a:ext cx="12200684" cy="6858988"/>
           </a:xfrm>
           <a:prstGeom prst="rect">
             <a:avLst/>
@@ -1954,14 +1465,14 @@
           <a:lstStyle>
             <a:lvl1pPr marL="0" indent="0">
               <a:buNone/>
-              <a:defRPr lang="en-US" sz="1800" b="0" i="0" kern="1200" dirty="0">
+              <a:defRPr lang="en-US" sz="1800" b="1" i="0" kern="1200" baseline="0" dirty="0">
                 <a:solidFill>
                   <a:schemeClr val="accent3">
                     <a:lumMod val="75000"/>
                   </a:schemeClr>
                 </a:solidFill>
-                <a:latin typeface="Roboto Medium" pitchFamily="2" charset="0"/>
-                <a:ea typeface="Roboto Medium" pitchFamily="2" charset="0"/>
+                <a:latin typeface="Calibri" panose="020F0502020204030204" pitchFamily="34" charset="0"/>
+                <a:ea typeface="PingFang SC" panose="020B0400000000000000" pitchFamily="34" charset="-122"/>
                 <a:cs typeface="+mn-cs"/>
               </a:defRPr>
             </a:lvl1pPr>
@@ -2040,14 +1551,14 @@
           <a:lstStyle>
             <a:lvl1pPr marL="0" indent="0" algn="l">
               <a:buNone/>
-              <a:defRPr sz="1600" b="0" i="0">
+              <a:defRPr sz="1600" b="0" i="0" baseline="0">
                 <a:solidFill>
                   <a:schemeClr val="accent3">
                     <a:lumMod val="75000"/>
                   </a:schemeClr>
                 </a:solidFill>
-                <a:latin typeface="PingFang SC Light" panose="020B0300000000000000" pitchFamily="34" charset="-122"/>
-                <a:ea typeface="PingFang SC Light" panose="020B0300000000000000" pitchFamily="34" charset="-122"/>
+                <a:latin typeface="Calibri" panose="020F0502020204030204" pitchFamily="34" charset="0"/>
+                <a:ea typeface="PingFang SC" panose="020B0400000000000000" pitchFamily="34" charset="-122"/>
               </a:defRPr>
             </a:lvl1pPr>
           </a:lstStyle>
@@ -2075,8 +1586,8 @@
         </p:nvSpPr>
         <p:spPr>
           <a:xfrm>
-            <a:off x="839415" y="2145394"/>
-            <a:ext cx="10584605" cy="369332"/>
+            <a:off x="766763" y="2145394"/>
+            <a:ext cx="10657257" cy="369332"/>
           </a:xfrm>
           <a:prstGeom prst="roundRect">
             <a:avLst>
@@ -2109,39 +1620,39 @@
           <a:lstStyle/>
           <a:p>
             <a:r>
-              <a:rPr lang="en-US" altLang="zh-CN" sz="1200" b="1" dirty="0">
+              <a:rPr lang="en-US" altLang="zh-CN" sz="1600" b="1" dirty="0">
                 <a:solidFill>
                   <a:schemeClr val="tx2">
-                    <a:lumMod val="50000"/>
-                    <a:lumOff val="50000"/>
+                    <a:lumMod val="25000"/>
+                    <a:lumOff val="75000"/>
                   </a:schemeClr>
                 </a:solidFill>
-                <a:latin typeface="PingFang SC" panose="020B0400000000000000" pitchFamily="34" charset="-122"/>
+                <a:latin typeface="+mj-lt"/>
                 <a:ea typeface="PingFang SC" panose="020B0400000000000000" pitchFamily="34" charset="-122"/>
               </a:rPr>
               <a:t>//</a:t>
             </a:r>
             <a:r>
-              <a:rPr lang="zh-CN" altLang="en-US" sz="1200" b="1" dirty="0">
+              <a:rPr lang="zh-CN" altLang="en-US" sz="1600" b="1" dirty="0">
                 <a:solidFill>
                   <a:schemeClr val="tx2">
-                    <a:lumMod val="50000"/>
-                    <a:lumOff val="50000"/>
+                    <a:lumMod val="25000"/>
+                    <a:lumOff val="75000"/>
                   </a:schemeClr>
                 </a:solidFill>
-                <a:latin typeface="PingFang SC" panose="020B0400000000000000" pitchFamily="34" charset="-122"/>
+                <a:latin typeface="+mj-lt"/>
                 <a:ea typeface="PingFang SC" panose="020B0400000000000000" pitchFamily="34" charset="-122"/>
               </a:rPr>
               <a:t> 知识点描述</a:t>
             </a:r>
-            <a:endParaRPr lang="en-JP" sz="1200" b="1" dirty="0">
+            <a:endParaRPr lang="en-JP" sz="1600" b="1" dirty="0">
               <a:solidFill>
                 <a:schemeClr val="tx2">
-                  <a:lumMod val="50000"/>
-                  <a:lumOff val="50000"/>
+                  <a:lumMod val="25000"/>
+                  <a:lumOff val="75000"/>
                 </a:schemeClr>
               </a:solidFill>
-              <a:latin typeface="PingFang SC" panose="020B0400000000000000" pitchFamily="34" charset="-122"/>
+              <a:latin typeface="+mj-lt"/>
               <a:ea typeface="PingFang SC" panose="020B0400000000000000" pitchFamily="34" charset="-122"/>
             </a:endParaRPr>
           </a:p>
@@ -2171,8 +1682,9 @@
           </a:prstGeom>
           <a:ln w="12700">
             <a:solidFill>
-              <a:schemeClr val="bg1">
-                <a:lumMod val="85000"/>
+              <a:schemeClr val="tx2">
+                <a:lumMod val="10000"/>
+                <a:lumOff val="90000"/>
               </a:schemeClr>
             </a:solidFill>
           </a:ln>
@@ -2210,8 +1722,8 @@
         </p:nvSpPr>
         <p:spPr>
           <a:xfrm>
-            <a:off x="766763" y="2636917"/>
-            <a:ext cx="10656887" cy="3671808"/>
+            <a:off x="766763" y="2780927"/>
+            <a:ext cx="10656887" cy="3527797"/>
           </a:xfrm>
           <a:prstGeom prst="rect">
             <a:avLst/>
@@ -2228,13 +1740,14 @@
               </a:buClr>
               <a:buFont typeface="Arial" panose="020B0604020202020204" pitchFamily="34" charset="0"/>
               <a:buChar char="•"/>
-              <a:defRPr sz="1400">
+              <a:defRPr sz="1600" baseline="0">
                 <a:solidFill>
                   <a:schemeClr val="accent3">
                     <a:lumMod val="75000"/>
                   </a:schemeClr>
                 </a:solidFill>
                 <a:latin typeface="Calibri" panose="020F0502020204030204" pitchFamily="34" charset="0"/>
+                <a:ea typeface="PingFang SC" panose="020B0400000000000000" pitchFamily="34" charset="-122"/>
                 <a:cs typeface="Calibri" panose="020F0502020204030204" pitchFamily="34" charset="0"/>
               </a:defRPr>
             </a:lvl1pPr>
@@ -2258,7 +1771,7 @@
 </p:sldLayout>
 </file>
 
-<file path=ppt/slideLayouts/slideLayout5.xml><?xml version="1.0" encoding="utf-8"?>
+<file path=ppt/slideLayouts/slideLayout4.xml><?xml version="1.0" encoding="utf-8"?>
 <p:sldLayout xmlns:a="http://schemas.openxmlformats.org/drawingml/2006/main" xmlns:r="http://schemas.openxmlformats.org/officeDocument/2006/relationships" xmlns:p="http://schemas.openxmlformats.org/presentationml/2006/main" preserve="1" userDrawn="1">
   <p:cSld name="Blank">
     <p:bg>
@@ -2285,10 +1798,10 @@
       </p:grpSpPr>
       <p:pic>
         <p:nvPicPr>
-          <p:cNvPr id="3" name="Picture 2">
+          <p:cNvPr id="4" name="Picture 3">
             <a:extLst>
               <a:ext uri="{FF2B5EF4-FFF2-40B4-BE49-F238E27FC236}">
-                <a16:creationId xmlns:a16="http://schemas.microsoft.com/office/drawing/2014/main" id="{6B11D472-279B-5B42-AD8F-D6EF9792DBAF}"/>
+                <a16:creationId xmlns:a16="http://schemas.microsoft.com/office/drawing/2014/main" id="{23F2C6DB-8DE9-B94A-B05F-4CBBCAB85AB7}"/>
               </a:ext>
             </a:extLst>
           </p:cNvPr>
@@ -2305,8 +1818,8 @@
         </p:blipFill>
         <p:spPr>
           <a:xfrm>
-            <a:off x="1" y="-1"/>
-            <a:ext cx="12221224" cy="6870535"/>
+            <a:off x="1" y="-988"/>
+            <a:ext cx="12200684" cy="6858988"/>
           </a:xfrm>
           <a:prstGeom prst="rect">
             <a:avLst/>
@@ -2326,7 +1839,7 @@
 </p:sldLayout>
 </file>
 
-<file path=ppt/slideLayouts/slideLayout6.xml><?xml version="1.0" encoding="utf-8"?>
+<file path=ppt/slideLayouts/slideLayout5.xml><?xml version="1.0" encoding="utf-8"?>
 <p:sldLayout xmlns:a="http://schemas.openxmlformats.org/drawingml/2006/main" xmlns:r="http://schemas.openxmlformats.org/officeDocument/2006/relationships" xmlns:p="http://schemas.openxmlformats.org/presentationml/2006/main" preserve="1" userDrawn="1">
   <p:cSld name="Thanks">
     <p:bg>
@@ -2351,42 +1864,401 @@
           <a:chExt cx="0" cy="0"/>
         </a:xfrm>
       </p:grpSpPr>
-      <p:pic>
-        <p:nvPicPr>
-          <p:cNvPr id="7" name="Picture 6">
+      <p:grpSp>
+        <p:nvGrpSpPr>
+          <p:cNvPr id="8" name="Group 7">
             <a:extLst>
               <a:ext uri="{FF2B5EF4-FFF2-40B4-BE49-F238E27FC236}">
-                <a16:creationId xmlns:a16="http://schemas.microsoft.com/office/drawing/2014/main" id="{E2D29A84-597E-9044-A9AC-C1A3F512A820}"/>
+                <a16:creationId xmlns:a16="http://schemas.microsoft.com/office/drawing/2014/main" id="{CECBA50B-536C-FD45-B2EE-45F05BBB098B}"/>
               </a:ext>
             </a:extLst>
           </p:cNvPr>
-          <p:cNvPicPr>
-            <a:picLocks noChangeAspect="1"/>
-          </p:cNvPicPr>
+          <p:cNvGrpSpPr/>
           <p:nvPr userDrawn="1"/>
-        </p:nvPicPr>
-        <p:blipFill>
-          <a:blip r:embed="rId2"/>
-          <a:stretch>
-            <a:fillRect/>
-          </a:stretch>
-        </p:blipFill>
-        <p:spPr>
+        </p:nvGrpSpPr>
+        <p:grpSpPr>
           <a:xfrm>
-            <a:off x="-1" y="0"/>
-            <a:ext cx="12198927" cy="6858000"/>
+            <a:off x="3503712" y="514351"/>
+            <a:ext cx="5567770" cy="4050196"/>
+            <a:chOff x="3068402" y="711433"/>
+            <a:chExt cx="6640928" cy="4830849"/>
           </a:xfrm>
-          <a:prstGeom prst="rect">
-            <a:avLst/>
-          </a:prstGeom>
-        </p:spPr>
-      </p:pic>
+        </p:grpSpPr>
+        <p:sp>
+          <p:nvSpPr>
+            <p:cNvPr id="9" name="Diamond 8">
+              <a:extLst>
+                <a:ext uri="{FF2B5EF4-FFF2-40B4-BE49-F238E27FC236}">
+                  <a16:creationId xmlns:a16="http://schemas.microsoft.com/office/drawing/2014/main" id="{2A2A718E-9F10-A442-B24E-62357BBF108E}"/>
+                </a:ext>
+              </a:extLst>
+            </p:cNvPr>
+            <p:cNvSpPr/>
+            <p:nvPr userDrawn="1"/>
+          </p:nvSpPr>
+          <p:spPr>
+            <a:xfrm>
+              <a:off x="3068402" y="1580388"/>
+              <a:ext cx="5789572" cy="3961894"/>
+            </a:xfrm>
+            <a:prstGeom prst="diamond">
+              <a:avLst/>
+            </a:prstGeom>
+            <a:solidFill>
+              <a:schemeClr val="accent4">
+                <a:lumMod val="40000"/>
+                <a:lumOff val="60000"/>
+              </a:schemeClr>
+            </a:solidFill>
+            <a:ln>
+              <a:noFill/>
+            </a:ln>
+          </p:spPr>
+          <p:style>
+            <a:lnRef idx="2">
+              <a:schemeClr val="accent1">
+                <a:shade val="50000"/>
+              </a:schemeClr>
+            </a:lnRef>
+            <a:fillRef idx="1">
+              <a:schemeClr val="accent1"/>
+            </a:fillRef>
+            <a:effectRef idx="0">
+              <a:schemeClr val="accent1"/>
+            </a:effectRef>
+            <a:fontRef idx="minor">
+              <a:schemeClr val="lt1"/>
+            </a:fontRef>
+          </p:style>
+          <p:txBody>
+            <a:bodyPr rtlCol="0" anchor="ctr"/>
+            <a:lstStyle/>
+            <a:p>
+              <a:pPr algn="ctr"/>
+              <a:endParaRPr lang="en-CN"/>
+            </a:p>
+          </p:txBody>
+        </p:sp>
+        <p:sp>
+          <p:nvSpPr>
+            <p:cNvPr id="10" name="Diamond 9">
+              <a:extLst>
+                <a:ext uri="{FF2B5EF4-FFF2-40B4-BE49-F238E27FC236}">
+                  <a16:creationId xmlns:a16="http://schemas.microsoft.com/office/drawing/2014/main" id="{4EDBF324-8729-1D4D-B402-C50C113CBC36}"/>
+                </a:ext>
+              </a:extLst>
+            </p:cNvPr>
+            <p:cNvSpPr/>
+            <p:nvPr userDrawn="1"/>
+          </p:nvSpPr>
+          <p:spPr>
+            <a:xfrm>
+              <a:off x="4160720" y="1548550"/>
+              <a:ext cx="5387790" cy="3807521"/>
+            </a:xfrm>
+            <a:prstGeom prst="diamond">
+              <a:avLst/>
+            </a:prstGeom>
+            <a:solidFill>
+              <a:schemeClr val="accent3">
+                <a:lumMod val="60000"/>
+                <a:lumOff val="40000"/>
+                <a:alpha val="48000"/>
+              </a:schemeClr>
+            </a:solidFill>
+            <a:ln>
+              <a:noFill/>
+            </a:ln>
+          </p:spPr>
+          <p:style>
+            <a:lnRef idx="2">
+              <a:schemeClr val="accent1">
+                <a:shade val="50000"/>
+              </a:schemeClr>
+            </a:lnRef>
+            <a:fillRef idx="1">
+              <a:schemeClr val="accent1"/>
+            </a:fillRef>
+            <a:effectRef idx="0">
+              <a:schemeClr val="accent1"/>
+            </a:effectRef>
+            <a:fontRef idx="minor">
+              <a:schemeClr val="lt1"/>
+            </a:fontRef>
+          </p:style>
+          <p:txBody>
+            <a:bodyPr rtlCol="0" anchor="ctr"/>
+            <a:lstStyle/>
+            <a:p>
+              <a:pPr algn="ctr"/>
+              <a:endParaRPr lang="en-CN"/>
+            </a:p>
+          </p:txBody>
+        </p:sp>
+        <p:sp>
+          <p:nvSpPr>
+            <p:cNvPr id="11" name="Diamond 10">
+              <a:extLst>
+                <a:ext uri="{FF2B5EF4-FFF2-40B4-BE49-F238E27FC236}">
+                  <a16:creationId xmlns:a16="http://schemas.microsoft.com/office/drawing/2014/main" id="{C2F83B06-A0FA-1D4B-8796-F0D9C946C5A9}"/>
+                </a:ext>
+              </a:extLst>
+            </p:cNvPr>
+            <p:cNvSpPr/>
+            <p:nvPr userDrawn="1"/>
+          </p:nvSpPr>
+          <p:spPr>
+            <a:xfrm>
+              <a:off x="4160720" y="1022502"/>
+              <a:ext cx="5548610" cy="3325091"/>
+            </a:xfrm>
+            <a:prstGeom prst="diamond">
+              <a:avLst/>
+            </a:prstGeom>
+            <a:solidFill>
+              <a:schemeClr val="accent3">
+                <a:lumMod val="60000"/>
+                <a:lumOff val="40000"/>
+              </a:schemeClr>
+            </a:solidFill>
+            <a:ln>
+              <a:noFill/>
+            </a:ln>
+          </p:spPr>
+          <p:style>
+            <a:lnRef idx="2">
+              <a:schemeClr val="accent1">
+                <a:shade val="50000"/>
+              </a:schemeClr>
+            </a:lnRef>
+            <a:fillRef idx="1">
+              <a:schemeClr val="accent1"/>
+            </a:fillRef>
+            <a:effectRef idx="0">
+              <a:schemeClr val="accent1"/>
+            </a:effectRef>
+            <a:fontRef idx="minor">
+              <a:schemeClr val="lt1"/>
+            </a:fontRef>
+          </p:style>
+          <p:txBody>
+            <a:bodyPr rtlCol="0" anchor="ctr"/>
+            <a:lstStyle/>
+            <a:p>
+              <a:pPr algn="ctr"/>
+              <a:endParaRPr lang="en-CN"/>
+            </a:p>
+          </p:txBody>
+        </p:sp>
+        <p:sp>
+          <p:nvSpPr>
+            <p:cNvPr id="12" name="Diamond 11">
+              <a:extLst>
+                <a:ext uri="{FF2B5EF4-FFF2-40B4-BE49-F238E27FC236}">
+                  <a16:creationId xmlns:a16="http://schemas.microsoft.com/office/drawing/2014/main" id="{47CFBF90-B266-334D-8EA2-E8A6DBFDBB10}"/>
+                </a:ext>
+              </a:extLst>
+            </p:cNvPr>
+            <p:cNvSpPr/>
+            <p:nvPr userDrawn="1"/>
+          </p:nvSpPr>
+          <p:spPr>
+            <a:xfrm>
+              <a:off x="3201214" y="711433"/>
+              <a:ext cx="5789572" cy="4237375"/>
+            </a:xfrm>
+            <a:prstGeom prst="diamond">
+              <a:avLst/>
+            </a:prstGeom>
+            <a:solidFill>
+              <a:schemeClr val="accent3">
+                <a:lumMod val="75000"/>
+              </a:schemeClr>
+            </a:solidFill>
+            <a:ln>
+              <a:noFill/>
+            </a:ln>
+          </p:spPr>
+          <p:style>
+            <a:lnRef idx="2">
+              <a:schemeClr val="accent1">
+                <a:shade val="50000"/>
+              </a:schemeClr>
+            </a:lnRef>
+            <a:fillRef idx="1">
+              <a:schemeClr val="accent1"/>
+            </a:fillRef>
+            <a:effectRef idx="0">
+              <a:schemeClr val="accent1"/>
+            </a:effectRef>
+            <a:fontRef idx="minor">
+              <a:schemeClr val="lt1"/>
+            </a:fontRef>
+          </p:style>
+          <p:txBody>
+            <a:bodyPr rtlCol="0" anchor="ctr"/>
+            <a:lstStyle/>
+            <a:p>
+              <a:pPr algn="ctr"/>
+              <a:endParaRPr lang="en-CN"/>
+            </a:p>
+          </p:txBody>
+        </p:sp>
+        <p:pic>
+          <p:nvPicPr>
+            <p:cNvPr id="14" name="Picture 13">
+              <a:extLst>
+                <a:ext uri="{FF2B5EF4-FFF2-40B4-BE49-F238E27FC236}">
+                  <a16:creationId xmlns:a16="http://schemas.microsoft.com/office/drawing/2014/main" id="{17B2A729-75E7-9343-B42D-7244E127B3D8}"/>
+                </a:ext>
+              </a:extLst>
+            </p:cNvPr>
+            <p:cNvPicPr>
+              <a:picLocks noChangeAspect="1"/>
+            </p:cNvPicPr>
+            <p:nvPr userDrawn="1"/>
+          </p:nvPicPr>
+          <p:blipFill>
+            <a:blip r:embed="rId2"/>
+            <a:stretch>
+              <a:fillRect/>
+            </a:stretch>
+          </p:blipFill>
+          <p:spPr>
+            <a:xfrm>
+              <a:off x="5602457" y="1686506"/>
+              <a:ext cx="998541" cy="998541"/>
+            </a:xfrm>
+            <a:prstGeom prst="rect">
+              <a:avLst/>
+            </a:prstGeom>
+          </p:spPr>
+        </p:pic>
+        <p:sp>
+          <p:nvSpPr>
+            <p:cNvPr id="15" name="TextBox 14">
+              <a:extLst>
+                <a:ext uri="{FF2B5EF4-FFF2-40B4-BE49-F238E27FC236}">
+                  <a16:creationId xmlns:a16="http://schemas.microsoft.com/office/drawing/2014/main" id="{968253E5-BED3-7D41-9F0F-0F32D44C9EDE}"/>
+                </a:ext>
+              </a:extLst>
+            </p:cNvPr>
+            <p:cNvSpPr txBox="1"/>
+            <p:nvPr userDrawn="1"/>
+          </p:nvSpPr>
+          <p:spPr>
+            <a:xfrm>
+              <a:off x="3661954" y="2762054"/>
+              <a:ext cx="4868092" cy="461665"/>
+            </a:xfrm>
+            <a:prstGeom prst="rect">
+              <a:avLst/>
+            </a:prstGeom>
+            <a:noFill/>
+          </p:spPr>
+          <p:txBody>
+            <a:bodyPr wrap="square" rtlCol="0">
+              <a:spAutoFit/>
+            </a:bodyPr>
+            <a:lstStyle/>
+            <a:p>
+              <a:pPr algn="ctr"/>
+              <a:r>
+                <a:rPr lang="zh-CN" altLang="en-US" sz="2400" b="0" i="0" spc="300" dirty="0">
+                  <a:solidFill>
+                    <a:schemeClr val="bg1"/>
+                  </a:solidFill>
+                  <a:latin typeface="PingFang SC" panose="020B0400000000000000" pitchFamily="34" charset="-122"/>
+                  <a:ea typeface="PingFang SC" panose="020B0400000000000000" pitchFamily="34" charset="-122"/>
+                </a:rPr>
+                <a:t>歧舌</a:t>
+              </a:r>
+              <a:r>
+                <a:rPr lang="en-US" altLang="zh-CN" sz="2400" b="0" i="0" spc="300" dirty="0">
+                  <a:solidFill>
+                    <a:schemeClr val="bg1"/>
+                  </a:solidFill>
+                  <a:latin typeface="PingFang SC" panose="020B0400000000000000" pitchFamily="34" charset="-122"/>
+                  <a:ea typeface="PingFang SC" panose="020B0400000000000000" pitchFamily="34" charset="-122"/>
+                </a:rPr>
+                <a:t>AI</a:t>
+              </a:r>
+              <a:r>
+                <a:rPr lang="zh-CN" altLang="en-US" sz="2400" b="0" i="0" spc="300" dirty="0">
+                  <a:solidFill>
+                    <a:schemeClr val="bg1"/>
+                  </a:solidFill>
+                  <a:latin typeface="PingFang SC" panose="020B0400000000000000" pitchFamily="34" charset="-122"/>
+                  <a:ea typeface="PingFang SC" panose="020B0400000000000000" pitchFamily="34" charset="-122"/>
+                </a:rPr>
+                <a:t>备课助教</a:t>
+              </a:r>
+              <a:endParaRPr lang="en-CN" sz="2400" b="0" i="0" spc="300" dirty="0">
+                <a:solidFill>
+                  <a:schemeClr val="bg1"/>
+                </a:solidFill>
+                <a:latin typeface="PingFang SC" panose="020B0400000000000000" pitchFamily="34" charset="-122"/>
+                <a:ea typeface="PingFang SC" panose="020B0400000000000000" pitchFamily="34" charset="-122"/>
+              </a:endParaRPr>
+            </a:p>
+          </p:txBody>
+        </p:sp>
+        <p:sp>
+          <p:nvSpPr>
+            <p:cNvPr id="16" name="TextBox 15">
+              <a:extLst>
+                <a:ext uri="{FF2B5EF4-FFF2-40B4-BE49-F238E27FC236}">
+                  <a16:creationId xmlns:a16="http://schemas.microsoft.com/office/drawing/2014/main" id="{F51496FA-7CC2-B646-8C1C-E8197DE013A0}"/>
+                </a:ext>
+              </a:extLst>
+            </p:cNvPr>
+            <p:cNvSpPr txBox="1"/>
+            <p:nvPr userDrawn="1"/>
+          </p:nvSpPr>
+          <p:spPr>
+            <a:xfrm>
+              <a:off x="4695314" y="3300726"/>
+              <a:ext cx="2801372" cy="461665"/>
+            </a:xfrm>
+            <a:prstGeom prst="rect">
+              <a:avLst/>
+            </a:prstGeom>
+            <a:noFill/>
+          </p:spPr>
+          <p:txBody>
+            <a:bodyPr wrap="square" rtlCol="0">
+              <a:spAutoFit/>
+            </a:bodyPr>
+            <a:lstStyle/>
+            <a:p>
+              <a:pPr algn="ctr"/>
+              <a:r>
+                <a:rPr lang="zh-CN" altLang="en-US" sz="2400" b="0" i="0" spc="300" dirty="0">
+                  <a:solidFill>
+                    <a:schemeClr val="bg1"/>
+                  </a:solidFill>
+                  <a:latin typeface="PingFang SC Medium" panose="020B0400000000000000" pitchFamily="34" charset="-122"/>
+                  <a:ea typeface="PingFang SC Medium" panose="020B0400000000000000" pitchFamily="34" charset="-122"/>
+                </a:rPr>
+                <a:t>英语</a:t>
+              </a:r>
+              <a:endParaRPr lang="en-CN" sz="2400" b="0" i="0" spc="300" dirty="0">
+                <a:solidFill>
+                  <a:schemeClr val="bg1"/>
+                </a:solidFill>
+                <a:latin typeface="PingFang SC Medium" panose="020B0400000000000000" pitchFamily="34" charset="-122"/>
+                <a:ea typeface="PingFang SC Medium" panose="020B0400000000000000" pitchFamily="34" charset="-122"/>
+              </a:endParaRPr>
+            </a:p>
+          </p:txBody>
+        </p:sp>
+      </p:grpSp>
       <p:sp>
         <p:nvSpPr>
-          <p:cNvPr id="43" name="TextBox 42">
+          <p:cNvPr id="17" name="TextBox 16">
             <a:extLst>
               <a:ext uri="{FF2B5EF4-FFF2-40B4-BE49-F238E27FC236}">
-                <a16:creationId xmlns:a16="http://schemas.microsoft.com/office/drawing/2014/main" id="{B09844E1-DDCC-2F4A-9F36-3DBE5642B30F}"/>
+                <a16:creationId xmlns:a16="http://schemas.microsoft.com/office/drawing/2014/main" id="{9DB3038A-B481-D446-B3C8-3C2FABB24B64}"/>
               </a:ext>
             </a:extLst>
           </p:cNvPr>
@@ -2395,8 +2267,8 @@
         </p:nvSpPr>
         <p:spPr>
           <a:xfrm>
-            <a:off x="3661954" y="3316395"/>
-            <a:ext cx="4868092" cy="523220"/>
+            <a:off x="5426586" y="5032279"/>
+            <a:ext cx="1338828" cy="276999"/>
           </a:xfrm>
           <a:prstGeom prst="rect">
             <a:avLst/>
@@ -2404,119 +2276,32 @@
           <a:noFill/>
         </p:spPr>
         <p:txBody>
-          <a:bodyPr wrap="square" rtlCol="0">
+          <a:bodyPr wrap="none" rtlCol="0">
             <a:spAutoFit/>
           </a:bodyPr>
           <a:lstStyle/>
           <a:p>
-            <a:pPr algn="ctr"/>
+            <a:pPr algn="l"/>
             <a:r>
-              <a:rPr lang="zh-CN" altLang="en-US" sz="2800" b="0" i="0" spc="300" dirty="0">
+              <a:rPr lang="en-JP" sz="1200" spc="300" dirty="0">
                 <a:solidFill>
                   <a:schemeClr val="accent3">
                     <a:lumMod val="75000"/>
                   </a:schemeClr>
                 </a:solidFill>
-                <a:latin typeface="PingFang SC" panose="020B0400000000000000" pitchFamily="34" charset="-122"/>
-                <a:ea typeface="PingFang SC" panose="020B0400000000000000" pitchFamily="34" charset="-122"/>
+                <a:latin typeface="+mj-lt"/>
               </a:rPr>
-              <a:t>歧舌</a:t>
+              <a:t>扫码了解更多</a:t>
             </a:r>
-            <a:r>
-              <a:rPr lang="en-US" altLang="zh-CN" sz="2800" b="0" i="0" spc="300" dirty="0">
-                <a:solidFill>
-                  <a:schemeClr val="accent3">
-                    <a:lumMod val="75000"/>
-                  </a:schemeClr>
-                </a:solidFill>
-                <a:latin typeface="PingFang SC" panose="020B0400000000000000" pitchFamily="34" charset="-122"/>
-                <a:ea typeface="PingFang SC" panose="020B0400000000000000" pitchFamily="34" charset="-122"/>
-              </a:rPr>
-              <a:t>AI</a:t>
-            </a:r>
-            <a:r>
-              <a:rPr lang="zh-CN" altLang="en-US" sz="2800" b="0" i="0" spc="300" dirty="0">
-                <a:solidFill>
-                  <a:schemeClr val="accent3">
-                    <a:lumMod val="75000"/>
-                  </a:schemeClr>
-                </a:solidFill>
-                <a:latin typeface="PingFang SC" panose="020B0400000000000000" pitchFamily="34" charset="-122"/>
-                <a:ea typeface="PingFang SC" panose="020B0400000000000000" pitchFamily="34" charset="-122"/>
-              </a:rPr>
-              <a:t>备课助教</a:t>
-            </a:r>
-            <a:endParaRPr lang="en-CN" sz="2800" b="0" i="0" spc="300" dirty="0">
-              <a:solidFill>
-                <a:schemeClr val="accent3">
-                  <a:lumMod val="75000"/>
-                </a:schemeClr>
-              </a:solidFill>
-              <a:latin typeface="PingFang SC" panose="020B0400000000000000" pitchFamily="34" charset="-122"/>
-              <a:ea typeface="PingFang SC" panose="020B0400000000000000" pitchFamily="34" charset="-122"/>
-            </a:endParaRPr>
-          </a:p>
-        </p:txBody>
-      </p:sp>
-      <p:sp>
-        <p:nvSpPr>
-          <p:cNvPr id="44" name="TextBox 43">
-            <a:extLst>
-              <a:ext uri="{FF2B5EF4-FFF2-40B4-BE49-F238E27FC236}">
-                <a16:creationId xmlns:a16="http://schemas.microsoft.com/office/drawing/2014/main" id="{35F62947-62CC-8544-8364-BB6A7925BE22}"/>
-              </a:ext>
-            </a:extLst>
-          </p:cNvPr>
-          <p:cNvSpPr txBox="1"/>
-          <p:nvPr userDrawn="1"/>
-        </p:nvSpPr>
-        <p:spPr>
-          <a:xfrm>
-            <a:off x="4695314" y="3855067"/>
-            <a:ext cx="2801372" cy="461665"/>
-          </a:xfrm>
-          <a:prstGeom prst="rect">
-            <a:avLst/>
-          </a:prstGeom>
-          <a:noFill/>
-        </p:spPr>
-        <p:txBody>
-          <a:bodyPr wrap="square" rtlCol="0">
-            <a:spAutoFit/>
-          </a:bodyPr>
-          <a:lstStyle/>
-          <a:p>
-            <a:pPr algn="ctr"/>
-            <a:r>
-              <a:rPr lang="zh-CN" altLang="en-US" sz="2400" b="0" i="0" spc="300" dirty="0">
-                <a:solidFill>
-                  <a:schemeClr val="accent3">
-                    <a:lumMod val="75000"/>
-                  </a:schemeClr>
-                </a:solidFill>
-                <a:latin typeface="PingFang SC Medium" panose="020B0400000000000000" pitchFamily="34" charset="-122"/>
-                <a:ea typeface="PingFang SC Medium" panose="020B0400000000000000" pitchFamily="34" charset="-122"/>
-              </a:rPr>
-              <a:t>英语</a:t>
-            </a:r>
-            <a:endParaRPr lang="en-CN" sz="2400" b="0" i="0" spc="300" dirty="0">
-              <a:solidFill>
-                <a:schemeClr val="accent3">
-                  <a:lumMod val="75000"/>
-                </a:schemeClr>
-              </a:solidFill>
-              <a:latin typeface="PingFang SC Medium" panose="020B0400000000000000" pitchFamily="34" charset="-122"/>
-              <a:ea typeface="PingFang SC Medium" panose="020B0400000000000000" pitchFamily="34" charset="-122"/>
-            </a:endParaRPr>
           </a:p>
         </p:txBody>
       </p:sp>
       <p:pic>
         <p:nvPicPr>
-          <p:cNvPr id="5" name="Picture 4">
+          <p:cNvPr id="18" name="Picture 17">
             <a:extLst>
               <a:ext uri="{FF2B5EF4-FFF2-40B4-BE49-F238E27FC236}">
-                <a16:creationId xmlns:a16="http://schemas.microsoft.com/office/drawing/2014/main" id="{90EA518E-9B5C-E84C-8590-28A28376CA17}"/>
+                <a16:creationId xmlns:a16="http://schemas.microsoft.com/office/drawing/2014/main" id="{E2B00D65-B0F5-6543-B89C-1A03821A7C43}"/>
               </a:ext>
             </a:extLst>
           </p:cNvPr>
@@ -2533,38 +2318,8 @@
         </p:blipFill>
         <p:spPr>
           <a:xfrm>
-            <a:off x="5476988" y="1990305"/>
-            <a:ext cx="1238024" cy="1238024"/>
-          </a:xfrm>
-          <a:prstGeom prst="rect">
-            <a:avLst/>
-          </a:prstGeom>
-        </p:spPr>
-      </p:pic>
-      <p:pic>
-        <p:nvPicPr>
-          <p:cNvPr id="13" name="Picture 12">
-            <a:extLst>
-              <a:ext uri="{FF2B5EF4-FFF2-40B4-BE49-F238E27FC236}">
-                <a16:creationId xmlns:a16="http://schemas.microsoft.com/office/drawing/2014/main" id="{3522076D-892E-C949-AF29-BADBF8022C9F}"/>
-              </a:ext>
-            </a:extLst>
-          </p:cNvPr>
-          <p:cNvPicPr>
-            <a:picLocks noChangeAspect="1"/>
-          </p:cNvPicPr>
-          <p:nvPr userDrawn="1"/>
-        </p:nvPicPr>
-        <p:blipFill>
-          <a:blip r:embed="rId4"/>
-          <a:stretch>
-            <a:fillRect/>
-          </a:stretch>
-        </p:blipFill>
-        <p:spPr>
-          <a:xfrm>
-            <a:off x="5646000" y="5611950"/>
-            <a:ext cx="900000" cy="900000"/>
+            <a:off x="5515890" y="5299723"/>
+            <a:ext cx="1160221" cy="1160221"/>
           </a:xfrm>
           <a:prstGeom prst="rect">
             <a:avLst/>
@@ -2618,12 +2373,11 @@
   </p:cSld>
   <p:clrMap bg1="lt1" tx1="dk1" bg2="lt2" tx2="dk2" accent1="accent1" accent2="accent2" accent3="accent3" accent4="accent4" accent5="accent5" accent6="accent6" hlink="hlink" folHlink="folHlink"/>
   <p:sldLayoutIdLst>
-    <p:sldLayoutId id="2147483853" r:id="rId1"/>
-    <p:sldLayoutId id="2147483946" r:id="rId2"/>
-    <p:sldLayoutId id="2147483948" r:id="rId3"/>
-    <p:sldLayoutId id="2147483949" r:id="rId4"/>
-    <p:sldLayoutId id="2147483931" r:id="rId5"/>
-    <p:sldLayoutId id="2147483928" r:id="rId6"/>
+    <p:sldLayoutId id="2147483946" r:id="rId1"/>
+    <p:sldLayoutId id="2147483948" r:id="rId2"/>
+    <p:sldLayoutId id="2147483949" r:id="rId3"/>
+    <p:sldLayoutId id="2147483931" r:id="rId4"/>
+    <p:sldLayoutId id="2147483928" r:id="rId5"/>
   </p:sldLayoutIdLst>
   <p:hf sldNum="0" hdr="0" ftr="0" dt="0"/>
   <p:txStyles>
@@ -3055,18 +2809,16 @@
         <a:srgbClr val="B26B02"/>
       </a:folHlink>
     </a:clrScheme>
-    <a:fontScheme name="Dividend">
+    <a:fontScheme name="Calibri-Cambria">
       <a:majorFont>
-        <a:latin typeface="Gill Sans MT" panose="020B0502020104020203"/>
+        <a:latin typeface="Calibri" panose="020F0502020204030204"/>
         <a:ea typeface=""/>
         <a:cs typeface=""/>
-        <a:font script="Grek" typeface="Corbel"/>
-        <a:font script="Cyrl" typeface="Corbel"/>
-        <a:font script="Jpan" typeface="HGｺﾞｼｯｸE"/>
-        <a:font script="Hang" typeface="휴먼매직체"/>
-        <a:font script="Hans" typeface="华文中宋"/>
-        <a:font script="Hant" typeface="微軟正黑體"/>
-        <a:font script="Arab" typeface="Majalla UI"/>
+        <a:font script="Jpan" typeface="HGｺﾞｼｯｸM"/>
+        <a:font script="Hang" typeface="맑은 고딕"/>
+        <a:font script="Hans" typeface="宋体"/>
+        <a:font script="Hant" typeface="新細明體"/>
+        <a:font script="Arab" typeface="Arial"/>
         <a:font script="Hebr" typeface="Arial"/>
         <a:font script="Thai" typeface="Cordia New"/>
         <a:font script="Ethi" typeface="Nyala"/>
@@ -3094,22 +2846,20 @@
         <a:font script="Geor" typeface="Sylfaen"/>
       </a:majorFont>
       <a:minorFont>
-        <a:latin typeface="Gill Sans MT" panose="020B0502020104020203"/>
+        <a:latin typeface="Cambria" panose="02040503050406030204"/>
         <a:ea typeface=""/>
         <a:cs typeface=""/>
-        <a:font script="Grek" typeface="Corbel"/>
-        <a:font script="Cyrl" typeface="Corbel"/>
-        <a:font script="Jpan" typeface="HGｺﾞｼｯｸE"/>
-        <a:font script="Hang" typeface="휴먼매직체"/>
-        <a:font script="Hans" typeface="华文中宋"/>
-        <a:font script="Hant" typeface="微軟正黑體"/>
-        <a:font script="Arab" typeface="Majalla UI"/>
-        <a:font script="Hebr" typeface="Arial"/>
-        <a:font script="Thai" typeface="Cordia New"/>
+        <a:font script="Jpan" typeface="HG明朝B"/>
+        <a:font script="Hang" typeface="맑은 고딕"/>
+        <a:font script="Hans" typeface="黑体"/>
+        <a:font script="Hant" typeface="新細明體"/>
+        <a:font script="Arab" typeface="Times New Roman"/>
+        <a:font script="Hebr" typeface="Times New Roman"/>
+        <a:font script="Thai" typeface="Angsana New"/>
         <a:font script="Ethi" typeface="Nyala"/>
         <a:font script="Beng" typeface="Vrinda"/>
         <a:font script="Gujr" typeface="Shruti"/>
-        <a:font script="Khmr" typeface="DaunPenh"/>
+        <a:font script="Khmr" typeface="MoolBoran"/>
         <a:font script="Knda" typeface="Tunga"/>
         <a:font script="Guru" typeface="Raavi"/>
         <a:font script="Cans" typeface="Euphemia"/>
@@ -3126,7 +2876,7 @@
         <a:font script="Laoo" typeface="DokChampa"/>
         <a:font script="Sinh" typeface="Iskoola Pota"/>
         <a:font script="Mong" typeface="Mongolian Baiti"/>
-        <a:font script="Viet" typeface="Tahoma"/>
+        <a:font script="Viet" typeface="Times New Roman"/>
         <a:font script="Uigh" typeface="Microsoft Uighur"/>
         <a:font script="Geor" typeface="Sylfaen"/>
       </a:minorFont>
